--- a/presentation/Presentation.pptx
+++ b/presentation/Presentation.pptx
@@ -306,7 +306,7 @@
           <a:p>
             <a:fld id="{3D547D87-1F8B-4DF2-A8ED-C1EB29A1646B}" type="datetimeFigureOut">
               <a:rPr lang="en-US" smtClean="0"/>
-              <a:t>7/25/2021</a:t>
+              <a:t>7/26/2021</a:t>
             </a:fld>
             <a:endParaRPr lang="en-US"/>
           </a:p>
@@ -534,7 +534,7 @@
           <a:p>
             <a:fld id="{3D547D87-1F8B-4DF2-A8ED-C1EB29A1646B}" type="datetimeFigureOut">
               <a:rPr lang="en-US" smtClean="0"/>
-              <a:t>7/25/2021</a:t>
+              <a:t>7/26/2021</a:t>
             </a:fld>
             <a:endParaRPr lang="en-US"/>
           </a:p>
@@ -714,7 +714,7 @@
           <a:p>
             <a:fld id="{3D547D87-1F8B-4DF2-A8ED-C1EB29A1646B}" type="datetimeFigureOut">
               <a:rPr lang="en-US" smtClean="0"/>
-              <a:t>7/25/2021</a:t>
+              <a:t>7/26/2021</a:t>
             </a:fld>
             <a:endParaRPr lang="en-US"/>
           </a:p>
@@ -884,7 +884,7 @@
           <a:p>
             <a:fld id="{3D547D87-1F8B-4DF2-A8ED-C1EB29A1646B}" type="datetimeFigureOut">
               <a:rPr lang="en-US" smtClean="0"/>
-              <a:t>7/25/2021</a:t>
+              <a:t>7/26/2021</a:t>
             </a:fld>
             <a:endParaRPr lang="en-US"/>
           </a:p>
@@ -1138,7 +1138,7 @@
           <a:p>
             <a:fld id="{3D547D87-1F8B-4DF2-A8ED-C1EB29A1646B}" type="datetimeFigureOut">
               <a:rPr lang="en-US" smtClean="0"/>
-              <a:t>7/25/2021</a:t>
+              <a:t>7/26/2021</a:t>
             </a:fld>
             <a:endParaRPr lang="en-US"/>
           </a:p>
@@ -1464,7 +1464,7 @@
           <a:p>
             <a:fld id="{3D547D87-1F8B-4DF2-A8ED-C1EB29A1646B}" type="datetimeFigureOut">
               <a:rPr lang="en-US" smtClean="0"/>
-              <a:t>7/25/2021</a:t>
+              <a:t>7/26/2021</a:t>
             </a:fld>
             <a:endParaRPr lang="en-US"/>
           </a:p>
@@ -1915,7 +1915,7 @@
           <a:p>
             <a:fld id="{3D547D87-1F8B-4DF2-A8ED-C1EB29A1646B}" type="datetimeFigureOut">
               <a:rPr lang="en-US" smtClean="0"/>
-              <a:t>7/25/2021</a:t>
+              <a:t>7/26/2021</a:t>
             </a:fld>
             <a:endParaRPr lang="en-US"/>
           </a:p>
@@ -2033,7 +2033,7 @@
           <a:p>
             <a:fld id="{3D547D87-1F8B-4DF2-A8ED-C1EB29A1646B}" type="datetimeFigureOut">
               <a:rPr lang="en-US" smtClean="0"/>
-              <a:t>7/25/2021</a:t>
+              <a:t>7/26/2021</a:t>
             </a:fld>
             <a:endParaRPr lang="en-US"/>
           </a:p>
@@ -2128,7 +2128,7 @@
           <a:p>
             <a:fld id="{3D547D87-1F8B-4DF2-A8ED-C1EB29A1646B}" type="datetimeFigureOut">
               <a:rPr lang="en-US" smtClean="0"/>
-              <a:t>7/25/2021</a:t>
+              <a:t>7/26/2021</a:t>
             </a:fld>
             <a:endParaRPr lang="en-US"/>
           </a:p>
@@ -2415,7 +2415,7 @@
           <a:p>
             <a:fld id="{3D547D87-1F8B-4DF2-A8ED-C1EB29A1646B}" type="datetimeFigureOut">
               <a:rPr lang="en-US" smtClean="0"/>
-              <a:t>7/25/2021</a:t>
+              <a:t>7/26/2021</a:t>
             </a:fld>
             <a:endParaRPr lang="en-US"/>
           </a:p>
@@ -2737,7 +2737,7 @@
           <a:p>
             <a:fld id="{3D547D87-1F8B-4DF2-A8ED-C1EB29A1646B}" type="datetimeFigureOut">
               <a:rPr lang="en-US" smtClean="0"/>
-              <a:t>7/25/2021</a:t>
+              <a:t>7/26/2021</a:t>
             </a:fld>
             <a:endParaRPr lang="en-US"/>
           </a:p>
@@ -2991,7 +2991,7 @@
           <a:p>
             <a:fld id="{3D547D87-1F8B-4DF2-A8ED-C1EB29A1646B}" type="datetimeFigureOut">
               <a:rPr lang="en-US" smtClean="0"/>
-              <a:t>7/25/2021</a:t>
+              <a:t>7/26/2021</a:t>
             </a:fld>
             <a:endParaRPr lang="en-US"/>
           </a:p>
@@ -3612,8 +3612,8 @@
           <a:lstStyle/>
           <a:p>
             <a:r>
-              <a:rPr lang="en-US" sz="7200" dirty="0"/>
-              <a:t>Halo 5</a:t>
+              <a:rPr lang="en-US" sz="7200" b="1" dirty="0"/>
+              <a:t>Halo 5: Guardians</a:t>
             </a:r>
             <a:br>
               <a:rPr lang="en-US" sz="7200" dirty="0"/>
@@ -3853,15 +3853,7 @@
           <a:p>
             <a:r>
               <a:rPr lang="en-US" dirty="0"/>
-              <a:t>Despite difficulty making sense of the </a:t>
-            </a:r>
-            <a:r>
-              <a:rPr lang="en-US" dirty="0" err="1"/>
-              <a:t>importances</a:t>
-            </a:r>
-            <a:r>
-              <a:rPr lang="en-US" dirty="0"/>
-              <a:t>, is 72.73% too high of a predictive quality before a match has even begun?</a:t>
+              <a:t>Is 72.73% too high of a predictive quality before a match has even begun?</a:t>
             </a:r>
           </a:p>
           <a:p>
@@ -3961,7 +3953,7 @@
           <a:p>
             <a:r>
               <a:rPr lang="en-US" sz="2400" dirty="0"/>
-              <a:t>Certain game modes can be predicted using only gamertags and team assignments with up to 72% accuracy</a:t>
+              <a:t>Certain game modes can be predicted using only gamertags and team assignments with up to 72.73% accuracy</a:t>
             </a:r>
           </a:p>
           <a:p>
@@ -4081,7 +4073,7 @@
           <a:p>
             <a:r>
               <a:rPr lang="en-US" sz="2000" dirty="0"/>
-              <a:t>Reward player when they reach certain improvement milestones</a:t>
+              <a:t>Reward players when they reach certain improvement milestones</a:t>
             </a:r>
           </a:p>
           <a:p>
@@ -4186,6 +4178,12 @@
             <a:r>
               <a:rPr lang="en-US" sz="2800" dirty="0"/>
               <a:t>Develop more creative data visualizations</a:t>
+            </a:r>
+          </a:p>
+          <a:p>
+            <a:r>
+              <a:rPr lang="en-US" sz="2800" dirty="0"/>
+              <a:t>Open conversation with online community</a:t>
             </a:r>
           </a:p>
           <a:p>
@@ -6267,12 +6265,12 @@
           <a:lstStyle/>
           <a:p>
             <a:r>
-              <a:rPr lang="en-US" sz="6000">
+              <a:rPr lang="en-US" sz="6000" dirty="0">
                 <a:solidFill>
                   <a:srgbClr val="FFFFFF"/>
                 </a:solidFill>
               </a:rPr>
-              <a:t>Visualizations to Improve Engagement</a:t>
+              <a:t>Visualizations to Improve Engagement &amp; Retention</a:t>
             </a:r>
           </a:p>
         </p:txBody>
@@ -6631,7 +6629,7 @@
           <a:p>
             <a:r>
               <a:rPr lang="en-US" sz="2000" dirty="0"/>
-              <a:t>Having a better understanding of map win rate might be interesting</a:t>
+              <a:t>Having a better understanding of map win rate reveals insight on strengths and weaknesses</a:t>
             </a:r>
           </a:p>
           <a:p>
@@ -6758,10 +6756,6 @@
               <a:rPr lang="en-US" dirty="0"/>
               <a:t>K/D Improvement Over Time</a:t>
             </a:r>
-            <a:br>
-              <a:rPr lang="en-US" dirty="0"/>
-            </a:br>
-            <a:endParaRPr lang="en-US" dirty="0"/>
           </a:p>
         </p:txBody>
       </p:sp>
@@ -6795,24 +6789,24 @@
           <a:p>
             <a:pPr indent="-182880"/>
             <a:r>
-              <a:rPr lang="en-US" sz="1400" dirty="0"/>
+              <a:rPr lang="en-US" sz="1600" dirty="0"/>
               <a:t>After match, tell player whether they beat their average kill / death spread</a:t>
             </a:r>
           </a:p>
           <a:p>
             <a:pPr indent="-182880"/>
             <a:r>
-              <a:rPr lang="en-US" sz="1400" dirty="0"/>
+              <a:rPr lang="en-US" sz="1600" dirty="0"/>
               <a:t>Give players sense of improvement even in the event of a loss or being the worst player on their team</a:t>
             </a:r>
           </a:p>
           <a:p>
             <a:pPr indent="-182880"/>
             <a:r>
-              <a:rPr lang="en-US" sz="1400" u="sng" dirty="0"/>
+              <a:rPr lang="en-US" sz="1600" u="sng" dirty="0"/>
               <a:t>Example</a:t>
             </a:r>
-            <a:endParaRPr lang="en-US" sz="1400" dirty="0"/>
+            <a:endParaRPr lang="en-US" sz="1600" dirty="0"/>
           </a:p>
           <a:p>
             <a:pPr marL="285750" indent="-182880">
@@ -6820,7 +6814,7 @@
               <a:buChar char="•"/>
             </a:pPr>
             <a:r>
-              <a:rPr lang="en-US" sz="1400" dirty="0"/>
+              <a:rPr lang="en-US" sz="1600" dirty="0"/>
               <a:t>K/D ratio was below 1 until January 2021, but had slowly been increasing</a:t>
             </a:r>
           </a:p>
@@ -6830,7 +6824,7 @@
               <a:buChar char="•"/>
             </a:pPr>
             <a:r>
-              <a:rPr lang="en-US" sz="1400" dirty="0"/>
+              <a:rPr lang="en-US" sz="1600" dirty="0"/>
               <a:t>Knowing it had been increasing would have been encouraging and rewarding</a:t>
             </a:r>
           </a:p>

--- a/presentation/Presentation.pptx
+++ b/presentation/Presentation.pptx
@@ -8,14 +8,14 @@
     <p:sldId id="277" r:id="rId2"/>
     <p:sldId id="257" r:id="rId3"/>
     <p:sldId id="258" r:id="rId4"/>
-    <p:sldId id="261" r:id="rId5"/>
-    <p:sldId id="276" r:id="rId6"/>
-    <p:sldId id="263" r:id="rId7"/>
-    <p:sldId id="274" r:id="rId8"/>
-    <p:sldId id="275" r:id="rId9"/>
-    <p:sldId id="267" r:id="rId10"/>
-    <p:sldId id="268" r:id="rId11"/>
-    <p:sldId id="269" r:id="rId12"/>
+    <p:sldId id="278" r:id="rId5"/>
+    <p:sldId id="261" r:id="rId6"/>
+    <p:sldId id="276" r:id="rId7"/>
+    <p:sldId id="263" r:id="rId8"/>
+    <p:sldId id="274" r:id="rId9"/>
+    <p:sldId id="275" r:id="rId10"/>
+    <p:sldId id="267" r:id="rId11"/>
+    <p:sldId id="268" r:id="rId12"/>
     <p:sldId id="270" r:id="rId13"/>
     <p:sldId id="271" r:id="rId14"/>
     <p:sldId id="273" r:id="rId15"/>
@@ -306,7 +306,7 @@
           <a:p>
             <a:fld id="{3D547D87-1F8B-4DF2-A8ED-C1EB29A1646B}" type="datetimeFigureOut">
               <a:rPr lang="en-US" smtClean="0"/>
-              <a:t>7/26/2021</a:t>
+              <a:t>7/29/2021</a:t>
             </a:fld>
             <a:endParaRPr lang="en-US"/>
           </a:p>
@@ -534,7 +534,7 @@
           <a:p>
             <a:fld id="{3D547D87-1F8B-4DF2-A8ED-C1EB29A1646B}" type="datetimeFigureOut">
               <a:rPr lang="en-US" smtClean="0"/>
-              <a:t>7/26/2021</a:t>
+              <a:t>7/29/2021</a:t>
             </a:fld>
             <a:endParaRPr lang="en-US"/>
           </a:p>
@@ -714,7 +714,7 @@
           <a:p>
             <a:fld id="{3D547D87-1F8B-4DF2-A8ED-C1EB29A1646B}" type="datetimeFigureOut">
               <a:rPr lang="en-US" smtClean="0"/>
-              <a:t>7/26/2021</a:t>
+              <a:t>7/29/2021</a:t>
             </a:fld>
             <a:endParaRPr lang="en-US"/>
           </a:p>
@@ -884,7 +884,7 @@
           <a:p>
             <a:fld id="{3D547D87-1F8B-4DF2-A8ED-C1EB29A1646B}" type="datetimeFigureOut">
               <a:rPr lang="en-US" smtClean="0"/>
-              <a:t>7/26/2021</a:t>
+              <a:t>7/29/2021</a:t>
             </a:fld>
             <a:endParaRPr lang="en-US"/>
           </a:p>
@@ -1138,7 +1138,7 @@
           <a:p>
             <a:fld id="{3D547D87-1F8B-4DF2-A8ED-C1EB29A1646B}" type="datetimeFigureOut">
               <a:rPr lang="en-US" smtClean="0"/>
-              <a:t>7/26/2021</a:t>
+              <a:t>7/29/2021</a:t>
             </a:fld>
             <a:endParaRPr lang="en-US"/>
           </a:p>
@@ -1464,7 +1464,7 @@
           <a:p>
             <a:fld id="{3D547D87-1F8B-4DF2-A8ED-C1EB29A1646B}" type="datetimeFigureOut">
               <a:rPr lang="en-US" smtClean="0"/>
-              <a:t>7/26/2021</a:t>
+              <a:t>7/29/2021</a:t>
             </a:fld>
             <a:endParaRPr lang="en-US"/>
           </a:p>
@@ -1915,7 +1915,7 @@
           <a:p>
             <a:fld id="{3D547D87-1F8B-4DF2-A8ED-C1EB29A1646B}" type="datetimeFigureOut">
               <a:rPr lang="en-US" smtClean="0"/>
-              <a:t>7/26/2021</a:t>
+              <a:t>7/29/2021</a:t>
             </a:fld>
             <a:endParaRPr lang="en-US"/>
           </a:p>
@@ -2033,7 +2033,7 @@
           <a:p>
             <a:fld id="{3D547D87-1F8B-4DF2-A8ED-C1EB29A1646B}" type="datetimeFigureOut">
               <a:rPr lang="en-US" smtClean="0"/>
-              <a:t>7/26/2021</a:t>
+              <a:t>7/29/2021</a:t>
             </a:fld>
             <a:endParaRPr lang="en-US"/>
           </a:p>
@@ -2128,7 +2128,7 @@
           <a:p>
             <a:fld id="{3D547D87-1F8B-4DF2-A8ED-C1EB29A1646B}" type="datetimeFigureOut">
               <a:rPr lang="en-US" smtClean="0"/>
-              <a:t>7/26/2021</a:t>
+              <a:t>7/29/2021</a:t>
             </a:fld>
             <a:endParaRPr lang="en-US"/>
           </a:p>
@@ -2415,7 +2415,7 @@
           <a:p>
             <a:fld id="{3D547D87-1F8B-4DF2-A8ED-C1EB29A1646B}" type="datetimeFigureOut">
               <a:rPr lang="en-US" smtClean="0"/>
-              <a:t>7/26/2021</a:t>
+              <a:t>7/29/2021</a:t>
             </a:fld>
             <a:endParaRPr lang="en-US"/>
           </a:p>
@@ -2737,7 +2737,7 @@
           <a:p>
             <a:fld id="{3D547D87-1F8B-4DF2-A8ED-C1EB29A1646B}" type="datetimeFigureOut">
               <a:rPr lang="en-US" smtClean="0"/>
-              <a:t>7/26/2021</a:t>
+              <a:t>7/29/2021</a:t>
             </a:fld>
             <a:endParaRPr lang="en-US"/>
           </a:p>
@@ -2991,7 +2991,7 @@
           <a:p>
             <a:fld id="{3D547D87-1F8B-4DF2-A8ED-C1EB29A1646B}" type="datetimeFigureOut">
               <a:rPr lang="en-US" smtClean="0"/>
-              <a:t>7/26/2021</a:t>
+              <a:t>7/29/2021</a:t>
             </a:fld>
             <a:endParaRPr lang="en-US"/>
           </a:p>
@@ -3681,6 +3681,306 @@
 <file path=ppt/slides/slide10.xml><?xml version="1.0" encoding="utf-8"?>
 <p:sld xmlns:a="http://schemas.openxmlformats.org/drawingml/2006/main" xmlns:r="http://schemas.openxmlformats.org/officeDocument/2006/relationships" xmlns:p="http://schemas.openxmlformats.org/presentationml/2006/main">
   <p:cSld>
+    <p:bg>
+      <p:bgPr>
+        <a:solidFill>
+          <a:schemeClr val="bg2">
+            <a:lumMod val="75000"/>
+          </a:schemeClr>
+        </a:solidFill>
+        <a:effectLst/>
+      </p:bgPr>
+    </p:bg>
+    <p:spTree>
+      <p:nvGrpSpPr>
+        <p:cNvPr id="1" name=""/>
+        <p:cNvGrpSpPr/>
+        <p:nvPr/>
+      </p:nvGrpSpPr>
+      <p:grpSpPr>
+        <a:xfrm>
+          <a:off x="0" y="0"/>
+          <a:ext cx="0" cy="0"/>
+          <a:chOff x="0" y="0"/>
+          <a:chExt cx="0" cy="0"/>
+        </a:xfrm>
+      </p:grpSpPr>
+      <p:sp>
+        <p:nvSpPr>
+          <p:cNvPr id="8" name="Rectangle 7">
+            <a:extLst>
+              <a:ext uri="{FF2B5EF4-FFF2-40B4-BE49-F238E27FC236}">
+                <a16:creationId xmlns:a16="http://schemas.microsoft.com/office/drawing/2014/main" id="{A6F05DDE-5F2C-44F5-BACC-DED4737B11B8}"/>
+              </a:ext>
+              <a:ext uri="{C183D7F6-B498-43B3-948B-1728B52AA6E4}">
+                <adec:decorative xmlns:adec="http://schemas.microsoft.com/office/drawing/2017/decorative" val="1"/>
+              </a:ext>
+            </a:extLst>
+          </p:cNvPr>
+          <p:cNvSpPr>
+            <a:spLocks noGrp="1" noRot="1" noChangeAspect="1" noMove="1" noResize="1" noEditPoints="1" noAdjustHandles="1" noChangeArrowheads="1" noChangeShapeType="1" noTextEdit="1"/>
+          </p:cNvSpPr>
+          <p:nvPr>
+            <p:extLst>
+              <p:ext uri="{386F3935-93C4-4BCD-93E2-E3B085C9AB24}">
+                <p16:designElem xmlns:p16="http://schemas.microsoft.com/office/powerpoint/2015/main" val="1"/>
+              </p:ext>
+            </p:extLst>
+          </p:nvPr>
+        </p:nvSpPr>
+        <p:spPr>
+          <a:xfrm>
+            <a:off x="0" y="0"/>
+            <a:ext cx="457200" cy="6858000"/>
+          </a:xfrm>
+          <a:prstGeom prst="rect">
+            <a:avLst/>
+          </a:prstGeom>
+          <a:solidFill>
+            <a:schemeClr val="accent1"/>
+          </a:solidFill>
+          <a:ln>
+            <a:noFill/>
+          </a:ln>
+        </p:spPr>
+        <p:style>
+          <a:lnRef idx="2">
+            <a:schemeClr val="accent1">
+              <a:shade val="50000"/>
+            </a:schemeClr>
+          </a:lnRef>
+          <a:fillRef idx="1">
+            <a:schemeClr val="accent1"/>
+          </a:fillRef>
+          <a:effectRef idx="0">
+            <a:schemeClr val="accent1"/>
+          </a:effectRef>
+          <a:fontRef idx="minor">
+            <a:schemeClr val="lt1"/>
+          </a:fontRef>
+        </p:style>
+      </p:sp>
+      <p:sp>
+        <p:nvSpPr>
+          <p:cNvPr id="10" name="Rectangle 9">
+            <a:extLst>
+              <a:ext uri="{FF2B5EF4-FFF2-40B4-BE49-F238E27FC236}">
+                <a16:creationId xmlns:a16="http://schemas.microsoft.com/office/drawing/2014/main" id="{CA3FC43A-F2E5-409E-8C82-7DC3B69EA268}"/>
+              </a:ext>
+              <a:ext uri="{C183D7F6-B498-43B3-948B-1728B52AA6E4}">
+                <adec:decorative xmlns:adec="http://schemas.microsoft.com/office/drawing/2017/decorative" val="1"/>
+              </a:ext>
+            </a:extLst>
+          </p:cNvPr>
+          <p:cNvSpPr>
+            <a:spLocks noGrp="1" noRot="1" noChangeAspect="1" noMove="1" noResize="1" noEditPoints="1" noAdjustHandles="1" noChangeArrowheads="1" noChangeShapeType="1" noTextEdit="1"/>
+          </p:cNvSpPr>
+          <p:nvPr>
+            <p:extLst>
+              <p:ext uri="{386F3935-93C4-4BCD-93E2-E3B085C9AB24}">
+                <p16:designElem xmlns:p16="http://schemas.microsoft.com/office/powerpoint/2015/main" val="1"/>
+              </p:ext>
+            </p:extLst>
+          </p:nvPr>
+        </p:nvSpPr>
+        <p:spPr>
+          <a:xfrm>
+            <a:off x="-3" y="-2811"/>
+            <a:ext cx="4059081" cy="6858000"/>
+          </a:xfrm>
+          <a:prstGeom prst="rect">
+            <a:avLst/>
+          </a:prstGeom>
+          <a:solidFill>
+            <a:srgbClr val="000000"/>
+          </a:solidFill>
+          <a:ln>
+            <a:noFill/>
+          </a:ln>
+        </p:spPr>
+        <p:style>
+          <a:lnRef idx="2">
+            <a:schemeClr val="accent1">
+              <a:shade val="50000"/>
+            </a:schemeClr>
+          </a:lnRef>
+          <a:fillRef idx="1">
+            <a:schemeClr val="accent1"/>
+          </a:fillRef>
+          <a:effectRef idx="0">
+            <a:schemeClr val="accent1"/>
+          </a:effectRef>
+          <a:fontRef idx="minor">
+            <a:schemeClr val="lt1"/>
+          </a:fontRef>
+        </p:style>
+        <p:txBody>
+          <a:bodyPr rtlCol="0" anchor="ctr"/>
+          <a:lstStyle/>
+          <a:p>
+            <a:pPr algn="ctr"/>
+            <a:endParaRPr lang="en-US"/>
+          </a:p>
+        </p:txBody>
+      </p:sp>
+      <p:sp>
+        <p:nvSpPr>
+          <p:cNvPr id="12" name="Rectangle 11">
+            <a:extLst>
+              <a:ext uri="{FF2B5EF4-FFF2-40B4-BE49-F238E27FC236}">
+                <a16:creationId xmlns:a16="http://schemas.microsoft.com/office/drawing/2014/main" id="{1EEBFF7B-A218-4767-9A82-7ADFE8C9390D}"/>
+              </a:ext>
+              <a:ext uri="{C183D7F6-B498-43B3-948B-1728B52AA6E4}">
+                <adec:decorative xmlns:adec="http://schemas.microsoft.com/office/drawing/2017/decorative" val="1"/>
+              </a:ext>
+            </a:extLst>
+          </p:cNvPr>
+          <p:cNvSpPr>
+            <a:spLocks noGrp="1" noRot="1" noChangeAspect="1" noMove="1" noResize="1" noEditPoints="1" noAdjustHandles="1" noChangeArrowheads="1" noChangeShapeType="1" noTextEdit="1"/>
+          </p:cNvSpPr>
+          <p:nvPr>
+            <p:extLst>
+              <p:ext uri="{386F3935-93C4-4BCD-93E2-E3B085C9AB24}">
+                <p16:designElem xmlns:p16="http://schemas.microsoft.com/office/powerpoint/2015/main" val="1"/>
+              </p:ext>
+            </p:extLst>
+          </p:nvPr>
+        </p:nvSpPr>
+        <p:spPr>
+          <a:xfrm>
+            <a:off x="4059934" y="0"/>
+            <a:ext cx="7232906" cy="6858000"/>
+          </a:xfrm>
+          <a:prstGeom prst="rect">
+            <a:avLst/>
+          </a:prstGeom>
+          <a:solidFill>
+            <a:schemeClr val="accent1">
+              <a:lumMod val="75000"/>
+            </a:schemeClr>
+          </a:solidFill>
+          <a:ln>
+            <a:noFill/>
+          </a:ln>
+        </p:spPr>
+        <p:style>
+          <a:lnRef idx="2">
+            <a:schemeClr val="accent1">
+              <a:shade val="50000"/>
+            </a:schemeClr>
+          </a:lnRef>
+          <a:fillRef idx="1">
+            <a:schemeClr val="accent1"/>
+          </a:fillRef>
+          <a:effectRef idx="0">
+            <a:schemeClr val="accent1"/>
+          </a:effectRef>
+          <a:fontRef idx="minor">
+            <a:schemeClr val="lt1"/>
+          </a:fontRef>
+        </p:style>
+        <p:txBody>
+          <a:bodyPr rtlCol="0" anchor="ctr"/>
+          <a:lstStyle/>
+          <a:p>
+            <a:pPr algn="ctr"/>
+            <a:endParaRPr lang="en-US"/>
+          </a:p>
+        </p:txBody>
+      </p:sp>
+      <p:sp>
+        <p:nvSpPr>
+          <p:cNvPr id="2" name="Title 1">
+            <a:extLst>
+              <a:ext uri="{FF2B5EF4-FFF2-40B4-BE49-F238E27FC236}">
+                <a16:creationId xmlns:a16="http://schemas.microsoft.com/office/drawing/2014/main" id="{CA09F876-493D-4589-B1B6-E486A85E5A94}"/>
+              </a:ext>
+            </a:extLst>
+          </p:cNvPr>
+          <p:cNvSpPr>
+            <a:spLocks noGrp="1"/>
+          </p:cNvSpPr>
+          <p:nvPr>
+            <p:ph type="title"/>
+          </p:nvPr>
+        </p:nvSpPr>
+        <p:spPr>
+          <a:xfrm>
+            <a:off x="1016004" y="539553"/>
+            <a:ext cx="6196916" cy="5768658"/>
+          </a:xfrm>
+        </p:spPr>
+        <p:txBody>
+          <a:bodyPr vert="horz" lIns="91440" tIns="45720" rIns="91440" bIns="45720" rtlCol="0" anchor="ctr">
+            <a:normAutofit/>
+          </a:bodyPr>
+          <a:lstStyle/>
+          <a:p>
+            <a:r>
+              <a:rPr lang="en-US" sz="6000">
+                <a:solidFill>
+                  <a:srgbClr val="FFFFFF"/>
+                </a:solidFill>
+              </a:rPr>
+              <a:t>Matchmaking Quality Evaluation Using Machine Learning</a:t>
+            </a:r>
+          </a:p>
+        </p:txBody>
+      </p:sp>
+      <p:sp>
+        <p:nvSpPr>
+          <p:cNvPr id="3" name="Text Placeholder 2">
+            <a:extLst>
+              <a:ext uri="{FF2B5EF4-FFF2-40B4-BE49-F238E27FC236}">
+                <a16:creationId xmlns:a16="http://schemas.microsoft.com/office/drawing/2014/main" id="{354BE73E-D29C-4221-82DE-A022353BC2D7}"/>
+              </a:ext>
+            </a:extLst>
+          </p:cNvPr>
+          <p:cNvSpPr>
+            <a:spLocks noGrp="1"/>
+          </p:cNvSpPr>
+          <p:nvPr>
+            <p:ph type="body" idx="1"/>
+          </p:nvPr>
+        </p:nvSpPr>
+        <p:spPr>
+          <a:xfrm>
+            <a:off x="7534655" y="228601"/>
+            <a:ext cx="3436450" cy="6431540"/>
+          </a:xfrm>
+          <a:noFill/>
+        </p:spPr>
+        <p:txBody>
+          <a:bodyPr vert="horz" lIns="91440" tIns="45720" rIns="91440" bIns="45720" rtlCol="0" anchor="ctr">
+            <a:normAutofit/>
+          </a:bodyPr>
+          <a:lstStyle/>
+          <a:p>
+            <a:pPr algn="r"/>
+            <a:endParaRPr lang="en-US" sz="2800">
+              <a:solidFill>
+                <a:srgbClr val="FFFFFF"/>
+              </a:solidFill>
+            </a:endParaRPr>
+          </a:p>
+        </p:txBody>
+      </p:sp>
+    </p:spTree>
+    <p:extLst>
+      <p:ext uri="{BB962C8B-B14F-4D97-AF65-F5344CB8AC3E}">
+        <p14:creationId xmlns:p14="http://schemas.microsoft.com/office/powerpoint/2010/main" val="3511161795"/>
+      </p:ext>
+    </p:extLst>
+  </p:cSld>
+  <p:clrMapOvr>
+    <a:masterClrMapping/>
+  </p:clrMapOvr>
+</p:sld>
+</file>
+
+<file path=ppt/slides/slide11.xml><?xml version="1.0" encoding="utf-8"?>
+<p:sld xmlns:a="http://schemas.openxmlformats.org/drawingml/2006/main" xmlns:r="http://schemas.openxmlformats.org/officeDocument/2006/relationships" xmlns:p="http://schemas.openxmlformats.org/presentationml/2006/main">
+  <p:cSld>
     <p:spTree>
       <p:nvGrpSpPr>
         <p:cNvPr id="1" name=""/>
@@ -3877,126 +4177,6 @@
 </p:sld>
 </file>
 
-<file path=ppt/slides/slide11.xml><?xml version="1.0" encoding="utf-8"?>
-<p:sld xmlns:a="http://schemas.openxmlformats.org/drawingml/2006/main" xmlns:r="http://schemas.openxmlformats.org/officeDocument/2006/relationships" xmlns:p="http://schemas.openxmlformats.org/presentationml/2006/main">
-  <p:cSld>
-    <p:spTree>
-      <p:nvGrpSpPr>
-        <p:cNvPr id="1" name=""/>
-        <p:cNvGrpSpPr/>
-        <p:nvPr/>
-      </p:nvGrpSpPr>
-      <p:grpSpPr>
-        <a:xfrm>
-          <a:off x="0" y="0"/>
-          <a:ext cx="0" cy="0"/>
-          <a:chOff x="0" y="0"/>
-          <a:chExt cx="0" cy="0"/>
-        </a:xfrm>
-      </p:grpSpPr>
-      <p:sp>
-        <p:nvSpPr>
-          <p:cNvPr id="2" name="Title 1">
-            <a:extLst>
-              <a:ext uri="{FF2B5EF4-FFF2-40B4-BE49-F238E27FC236}">
-                <a16:creationId xmlns:a16="http://schemas.microsoft.com/office/drawing/2014/main" id="{616AD08E-BF0C-4648-9A84-44FD857D3461}"/>
-              </a:ext>
-            </a:extLst>
-          </p:cNvPr>
-          <p:cNvSpPr>
-            <a:spLocks noGrp="1"/>
-          </p:cNvSpPr>
-          <p:nvPr>
-            <p:ph type="title"/>
-          </p:nvPr>
-        </p:nvSpPr>
-        <p:spPr/>
-        <p:txBody>
-          <a:bodyPr/>
-          <a:lstStyle/>
-          <a:p>
-            <a:r>
-              <a:rPr lang="en-US" dirty="0"/>
-              <a:t>Conclusions</a:t>
-            </a:r>
-          </a:p>
-        </p:txBody>
-      </p:sp>
-      <p:sp>
-        <p:nvSpPr>
-          <p:cNvPr id="3" name="Content Placeholder 2">
-            <a:extLst>
-              <a:ext uri="{FF2B5EF4-FFF2-40B4-BE49-F238E27FC236}">
-                <a16:creationId xmlns:a16="http://schemas.microsoft.com/office/drawing/2014/main" id="{BB741F81-C835-4D3B-B097-80EA17614988}"/>
-              </a:ext>
-            </a:extLst>
-          </p:cNvPr>
-          <p:cNvSpPr>
-            <a:spLocks noGrp="1"/>
-          </p:cNvSpPr>
-          <p:nvPr>
-            <p:ph idx="1"/>
-          </p:nvPr>
-        </p:nvSpPr>
-        <p:spPr/>
-        <p:txBody>
-          <a:bodyPr>
-            <a:normAutofit/>
-          </a:bodyPr>
-          <a:lstStyle/>
-          <a:p>
-            <a:r>
-              <a:rPr lang="en-US" sz="2400" dirty="0"/>
-              <a:t>Visualizations can be used to demonstrate improvements in player performance over time</a:t>
-            </a:r>
-          </a:p>
-          <a:p>
-            <a:r>
-              <a:rPr lang="en-US" sz="2400" dirty="0"/>
-              <a:t>Certain game modes can be predicted using only gamertags and team assignments with up to 72.73% accuracy</a:t>
-            </a:r>
-          </a:p>
-          <a:p>
-            <a:pPr lvl="1"/>
-            <a:r>
-              <a:rPr lang="en-US" sz="2000" dirty="0"/>
-              <a:t>Is this too high?</a:t>
-            </a:r>
-          </a:p>
-          <a:p>
-            <a:pPr lvl="1"/>
-            <a:r>
-              <a:rPr lang="en-US" sz="2000" dirty="0"/>
-              <a:t>Can we use simple metrics like </a:t>
-            </a:r>
-            <a:r>
-              <a:rPr lang="en-US" sz="2000" dirty="0" err="1"/>
-              <a:t>Player_WinRate</a:t>
-            </a:r>
-            <a:r>
-              <a:rPr lang="en-US" sz="2000" dirty="0"/>
-              <a:t> to create matches that are consistently fair?</a:t>
-            </a:r>
-          </a:p>
-          <a:p>
-            <a:pPr lvl="1"/>
-            <a:endParaRPr lang="en-US" sz="2000" dirty="0"/>
-          </a:p>
-        </p:txBody>
-      </p:sp>
-    </p:spTree>
-    <p:extLst>
-      <p:ext uri="{BB962C8B-B14F-4D97-AF65-F5344CB8AC3E}">
-        <p14:creationId xmlns:p14="http://schemas.microsoft.com/office/powerpoint/2010/main" val="2342617831"/>
-      </p:ext>
-    </p:extLst>
-  </p:cSld>
-  <p:clrMapOvr>
-    <a:masterClrMapping/>
-  </p:clrMapOvr>
-</p:sld>
-</file>
-
 <file path=ppt/slides/slide12.xml><?xml version="1.0" encoding="utf-8"?>
 <p:sld xmlns:a="http://schemas.openxmlformats.org/drawingml/2006/main" xmlns:r="http://schemas.openxmlformats.org/officeDocument/2006/relationships" xmlns:p="http://schemas.openxmlformats.org/presentationml/2006/main">
   <p:cSld>
@@ -4037,7 +4217,7 @@
           <a:p>
             <a:r>
               <a:rPr lang="en-US" dirty="0"/>
-              <a:t>Recommendations</a:t>
+              <a:t>Conclusions &amp; Recommendations</a:t>
             </a:r>
           </a:p>
         </p:txBody>
@@ -4061,30 +4241,73 @@
         <p:spPr/>
         <p:txBody>
           <a:bodyPr>
-            <a:normAutofit/>
+            <a:normAutofit fontScale="92500" lnSpcReduction="20000"/>
           </a:bodyPr>
           <a:lstStyle/>
           <a:p>
             <a:r>
               <a:rPr lang="en-US" sz="2000" dirty="0"/>
-              <a:t>Implement visuals demonstrating player growth and improvement over time</a:t>
+              <a:t>Using in-house data to display visuals demonstrating player growth and improvement can be rewarding and instructive</a:t>
             </a:r>
           </a:p>
           <a:p>
             <a:r>
               <a:rPr lang="en-US" sz="2000" dirty="0"/>
-              <a:t>Reward players when they reach certain improvement milestones</a:t>
+              <a:t>Other ideas for graphs include:</a:t>
+            </a:r>
+          </a:p>
+          <a:p>
+            <a:pPr lvl="1"/>
+            <a:r>
+              <a:rPr lang="en-US" sz="1800" dirty="0"/>
+              <a:t>2D / 3D heatmaps of action in each match</a:t>
+            </a:r>
+          </a:p>
+          <a:p>
+            <a:pPr lvl="1"/>
+            <a:r>
+              <a:rPr lang="en-US" sz="1800" dirty="0"/>
+              <a:t>One-dimensional bar depicting timeline of which team was winning throughout the match</a:t>
             </a:r>
           </a:p>
           <a:p>
             <a:r>
               <a:rPr lang="en-US" sz="2000" dirty="0"/>
-              <a:t>Use improvement metrics to encourage players to keep playing despite being the worst player on their team or having a bad match</a:t>
-            </a:r>
-          </a:p>
-          <a:p>
-            <a:r>
-              <a:rPr lang="en-US" sz="2000" dirty="0"/>
+              <a:t>Use improvement metrics to encourage players to keep playing and as a basis for exclusive rewards</a:t>
+            </a:r>
+          </a:p>
+          <a:p>
+            <a:r>
+              <a:rPr lang="en-US" sz="2100" dirty="0"/>
+              <a:t>Certain game modes can be predicted using only gamertags and team assignments with up to 72.73% accuracy</a:t>
+            </a:r>
+          </a:p>
+          <a:p>
+            <a:pPr lvl="1"/>
+            <a:r>
+              <a:rPr lang="en-US" sz="1800" dirty="0"/>
+              <a:t>Is this too high?</a:t>
+            </a:r>
+          </a:p>
+          <a:p>
+            <a:pPr lvl="1"/>
+            <a:r>
+              <a:rPr lang="en-US" sz="1800" dirty="0"/>
+              <a:t>Can we use simple metrics like </a:t>
+            </a:r>
+            <a:r>
+              <a:rPr lang="en-US" sz="1800" dirty="0" err="1"/>
+              <a:t>Player_WinRate</a:t>
+            </a:r>
+            <a:r>
+              <a:rPr lang="en-US" sz="1800" dirty="0"/>
+              <a:t> to create matches that are consistently fair?</a:t>
+            </a:r>
+          </a:p>
+          <a:p>
+            <a:pPr lvl="1"/>
+            <a:r>
+              <a:rPr lang="en-US" sz="1800" dirty="0"/>
               <a:t>Experiment with implementing machine learning models in matchmaking algorithms to ensure 50/50 skill split between teams</a:t>
             </a:r>
           </a:p>
@@ -5961,53 +6184,34 @@
           <a:lstStyle/>
           <a:p>
             <a:r>
-              <a:rPr lang="en-US" sz="2400"/>
+              <a:rPr lang="en-US" sz="2400" dirty="0"/>
               <a:t>All data sourced from Halo Public API (Beta)</a:t>
             </a:r>
           </a:p>
           <a:p>
             <a:r>
-              <a:rPr lang="en-US" sz="2400"/>
-              <a:t>Primary API calls used:</a:t>
+              <a:rPr lang="en-US" sz="2400" dirty="0"/>
+              <a:t>Visuals pulled from gamertag ‘</a:t>
+            </a:r>
+            <a:r>
+              <a:rPr lang="en-US" sz="2400" dirty="0" err="1"/>
+              <a:t>Drymander</a:t>
+            </a:r>
+            <a:r>
+              <a:rPr lang="en-US" sz="2400" dirty="0"/>
+              <a:t>’</a:t>
+            </a:r>
+          </a:p>
+          <a:p>
+            <a:r>
+              <a:rPr lang="en-US" sz="2400" dirty="0"/>
+              <a:t>Machine learning data pulled from ~850 gamertags</a:t>
             </a:r>
           </a:p>
           <a:p>
             <a:pPr lvl="1"/>
             <a:r>
-              <a:rPr lang="en-US" sz="2400"/>
-              <a:t>Player Match History</a:t>
-            </a:r>
-          </a:p>
-          <a:p>
-            <a:pPr lvl="1"/>
-            <a:r>
-              <a:rPr lang="en-US" sz="2400"/>
-              <a:t>Match Result – Arena</a:t>
-            </a:r>
-          </a:p>
-          <a:p>
-            <a:pPr lvl="1"/>
-            <a:r>
-              <a:rPr lang="en-US" sz="2400"/>
-              <a:t>Player Service Records – Arena</a:t>
-            </a:r>
-          </a:p>
-          <a:p>
-            <a:r>
-              <a:rPr lang="en-US" sz="2400"/>
-              <a:t>Visuals pulled from gamertag ‘Drymander’</a:t>
-            </a:r>
-          </a:p>
-          <a:p>
-            <a:r>
-              <a:rPr lang="en-US" sz="2400"/>
-              <a:t>Machine learning data pulled from ~850 gamertags</a:t>
-            </a:r>
-          </a:p>
-          <a:p>
-            <a:pPr lvl="1"/>
-            <a:r>
-              <a:rPr lang="en-US" sz="2400"/>
+              <a:rPr lang="en-US" sz="2400" dirty="0"/>
               <a:t>Features available in Appendix</a:t>
             </a:r>
           </a:p>
@@ -6027,6 +6231,385 @@
 </file>
 
 <file path=ppt/slides/slide4.xml><?xml version="1.0" encoding="utf-8"?>
+<p:sld xmlns:a="http://schemas.openxmlformats.org/drawingml/2006/main" xmlns:r="http://schemas.openxmlformats.org/officeDocument/2006/relationships" xmlns:p="http://schemas.openxmlformats.org/presentationml/2006/main">
+  <p:cSld>
+    <p:bg>
+      <p:bgPr>
+        <a:solidFill>
+          <a:schemeClr val="bg1"/>
+        </a:solidFill>
+        <a:effectLst/>
+      </p:bgPr>
+    </p:bg>
+    <p:spTree>
+      <p:nvGrpSpPr>
+        <p:cNvPr id="1" name=""/>
+        <p:cNvGrpSpPr/>
+        <p:nvPr/>
+      </p:nvGrpSpPr>
+      <p:grpSpPr>
+        <a:xfrm>
+          <a:off x="0" y="0"/>
+          <a:ext cx="0" cy="0"/>
+          <a:chOff x="0" y="0"/>
+          <a:chExt cx="0" cy="0"/>
+        </a:xfrm>
+      </p:grpSpPr>
+      <p:sp>
+        <p:nvSpPr>
+          <p:cNvPr id="8" name="Rectangle 7">
+            <a:extLst>
+              <a:ext uri="{FF2B5EF4-FFF2-40B4-BE49-F238E27FC236}">
+                <a16:creationId xmlns:a16="http://schemas.microsoft.com/office/drawing/2014/main" id="{33801627-6861-4EA9-BE98-E0CE33A894D9}"/>
+              </a:ext>
+              <a:ext uri="{C183D7F6-B498-43B3-948B-1728B52AA6E4}">
+                <adec:decorative xmlns:adec="http://schemas.microsoft.com/office/drawing/2017/decorative" val="1"/>
+              </a:ext>
+            </a:extLst>
+          </p:cNvPr>
+          <p:cNvSpPr>
+            <a:spLocks noGrp="1" noRot="1" noChangeAspect="1" noMove="1" noResize="1" noEditPoints="1" noAdjustHandles="1" noChangeArrowheads="1" noChangeShapeType="1" noTextEdit="1"/>
+          </p:cNvSpPr>
+          <p:nvPr>
+            <p:extLst>
+              <p:ext uri="{386F3935-93C4-4BCD-93E2-E3B085C9AB24}">
+                <p16:designElem xmlns:p16="http://schemas.microsoft.com/office/powerpoint/2015/main" val="1"/>
+              </p:ext>
+            </p:extLst>
+          </p:nvPr>
+        </p:nvSpPr>
+        <p:spPr>
+          <a:xfrm>
+            <a:off x="1" y="0"/>
+            <a:ext cx="643466" cy="6858000"/>
+          </a:xfrm>
+          <a:prstGeom prst="rect">
+            <a:avLst/>
+          </a:prstGeom>
+          <a:solidFill>
+            <a:srgbClr val="0D0D0D"/>
+          </a:solidFill>
+          <a:ln>
+            <a:noFill/>
+          </a:ln>
+        </p:spPr>
+        <p:style>
+          <a:lnRef idx="2">
+            <a:schemeClr val="accent1">
+              <a:shade val="50000"/>
+            </a:schemeClr>
+          </a:lnRef>
+          <a:fillRef idx="1">
+            <a:schemeClr val="accent1"/>
+          </a:fillRef>
+          <a:effectRef idx="0">
+            <a:schemeClr val="accent1"/>
+          </a:effectRef>
+          <a:fontRef idx="minor">
+            <a:schemeClr val="lt1"/>
+          </a:fontRef>
+        </p:style>
+        <p:txBody>
+          <a:bodyPr rtlCol="0" anchor="ctr"/>
+          <a:lstStyle/>
+          <a:p>
+            <a:pPr algn="ctr"/>
+            <a:endParaRPr lang="en-US"/>
+          </a:p>
+        </p:txBody>
+      </p:sp>
+      <p:sp>
+        <p:nvSpPr>
+          <p:cNvPr id="10" name="Rectangle 9">
+            <a:extLst>
+              <a:ext uri="{FF2B5EF4-FFF2-40B4-BE49-F238E27FC236}">
+                <a16:creationId xmlns:a16="http://schemas.microsoft.com/office/drawing/2014/main" id="{93C1483F-490E-4C8A-8765-1F8AF0C67D5F}"/>
+              </a:ext>
+              <a:ext uri="{C183D7F6-B498-43B3-948B-1728B52AA6E4}">
+                <adec:decorative xmlns:adec="http://schemas.microsoft.com/office/drawing/2017/decorative" val="1"/>
+              </a:ext>
+            </a:extLst>
+          </p:cNvPr>
+          <p:cNvSpPr>
+            <a:spLocks noGrp="1" noRot="1" noChangeAspect="1" noMove="1" noResize="1" noEditPoints="1" noAdjustHandles="1" noChangeArrowheads="1" noChangeShapeType="1" noTextEdit="1"/>
+          </p:cNvSpPr>
+          <p:nvPr>
+            <p:extLst>
+              <p:ext uri="{386F3935-93C4-4BCD-93E2-E3B085C9AB24}">
+                <p16:designElem xmlns:p16="http://schemas.microsoft.com/office/powerpoint/2015/main" val="1"/>
+              </p:ext>
+            </p:extLst>
+          </p:nvPr>
+        </p:nvSpPr>
+        <p:spPr>
+          <a:xfrm>
+            <a:off x="643466" y="0"/>
+            <a:ext cx="3736189" cy="6858000"/>
+          </a:xfrm>
+          <a:prstGeom prst="rect">
+            <a:avLst/>
+          </a:prstGeom>
+          <a:solidFill>
+            <a:srgbClr val="292929"/>
+          </a:solidFill>
+          <a:ln>
+            <a:noFill/>
+          </a:ln>
+        </p:spPr>
+        <p:style>
+          <a:lnRef idx="2">
+            <a:schemeClr val="accent1">
+              <a:shade val="50000"/>
+            </a:schemeClr>
+          </a:lnRef>
+          <a:fillRef idx="1">
+            <a:schemeClr val="accent1"/>
+          </a:fillRef>
+          <a:effectRef idx="0">
+            <a:schemeClr val="accent1"/>
+          </a:effectRef>
+          <a:fontRef idx="minor">
+            <a:schemeClr val="lt1"/>
+          </a:fontRef>
+        </p:style>
+        <p:txBody>
+          <a:bodyPr rtlCol="0" anchor="ctr"/>
+          <a:lstStyle/>
+          <a:p>
+            <a:pPr algn="ctr"/>
+            <a:endParaRPr lang="en-US"/>
+          </a:p>
+        </p:txBody>
+      </p:sp>
+      <p:sp>
+        <p:nvSpPr>
+          <p:cNvPr id="2" name="Title 1">
+            <a:extLst>
+              <a:ext uri="{FF2B5EF4-FFF2-40B4-BE49-F238E27FC236}">
+                <a16:creationId xmlns:a16="http://schemas.microsoft.com/office/drawing/2014/main" id="{B1DC194E-23E0-4418-86A7-F41D96340F9B}"/>
+              </a:ext>
+            </a:extLst>
+          </p:cNvPr>
+          <p:cNvSpPr>
+            <a:spLocks noGrp="1"/>
+          </p:cNvSpPr>
+          <p:nvPr>
+            <p:ph type="title"/>
+          </p:nvPr>
+        </p:nvSpPr>
+        <p:spPr>
+          <a:xfrm>
+            <a:off x="965198" y="643466"/>
+            <a:ext cx="3092718" cy="5528734"/>
+          </a:xfrm>
+          <a:noFill/>
+        </p:spPr>
+        <p:txBody>
+          <a:bodyPr anchor="t">
+            <a:normAutofit/>
+          </a:bodyPr>
+          <a:lstStyle/>
+          <a:p>
+            <a:r>
+              <a:rPr lang="en-US" sz="2800" dirty="0">
+                <a:solidFill>
+                  <a:srgbClr val="FFFFFF"/>
+                </a:solidFill>
+              </a:rPr>
+              <a:t>APIs Used</a:t>
+            </a:r>
+          </a:p>
+        </p:txBody>
+      </p:sp>
+      <p:sp useBgFill="1">
+        <p:nvSpPr>
+          <p:cNvPr id="12" name="Rectangle 11">
+            <a:extLst>
+              <a:ext uri="{FF2B5EF4-FFF2-40B4-BE49-F238E27FC236}">
+                <a16:creationId xmlns:a16="http://schemas.microsoft.com/office/drawing/2014/main" id="{0249BF42-D05C-4553-9417-7B8695759291}"/>
+              </a:ext>
+              <a:ext uri="{C183D7F6-B498-43B3-948B-1728B52AA6E4}">
+                <adec:decorative xmlns:adec="http://schemas.microsoft.com/office/drawing/2017/decorative" val="1"/>
+              </a:ext>
+            </a:extLst>
+          </p:cNvPr>
+          <p:cNvSpPr>
+            <a:spLocks noGrp="1" noRot="1" noChangeAspect="1" noMove="1" noResize="1" noEditPoints="1" noAdjustHandles="1" noChangeArrowheads="1" noChangeShapeType="1" noTextEdit="1"/>
+          </p:cNvSpPr>
+          <p:nvPr>
+            <p:extLst>
+              <p:ext uri="{386F3935-93C4-4BCD-93E2-E3B085C9AB24}">
+                <p16:designElem xmlns:p16="http://schemas.microsoft.com/office/powerpoint/2015/main" val="1"/>
+              </p:ext>
+            </p:extLst>
+          </p:nvPr>
+        </p:nvSpPr>
+        <p:spPr>
+          <a:xfrm>
+            <a:off x="4379654" y="0"/>
+            <a:ext cx="6913185" cy="6858000"/>
+          </a:xfrm>
+          <a:prstGeom prst="rect">
+            <a:avLst/>
+          </a:prstGeom>
+          <a:ln>
+            <a:noFill/>
+          </a:ln>
+        </p:spPr>
+        <p:style>
+          <a:lnRef idx="2">
+            <a:schemeClr val="accent1">
+              <a:shade val="50000"/>
+            </a:schemeClr>
+          </a:lnRef>
+          <a:fillRef idx="1">
+            <a:schemeClr val="accent1"/>
+          </a:fillRef>
+          <a:effectRef idx="0">
+            <a:schemeClr val="accent1"/>
+          </a:effectRef>
+          <a:fontRef idx="minor">
+            <a:schemeClr val="lt1"/>
+          </a:fontRef>
+        </p:style>
+        <p:txBody>
+          <a:bodyPr rtlCol="0" anchor="ctr"/>
+          <a:lstStyle/>
+          <a:p>
+            <a:pPr algn="ctr"/>
+            <a:endParaRPr lang="en-US"/>
+          </a:p>
+        </p:txBody>
+      </p:sp>
+      <p:sp>
+        <p:nvSpPr>
+          <p:cNvPr id="3" name="Content Placeholder 2">
+            <a:extLst>
+              <a:ext uri="{FF2B5EF4-FFF2-40B4-BE49-F238E27FC236}">
+                <a16:creationId xmlns:a16="http://schemas.microsoft.com/office/drawing/2014/main" id="{FC4888B2-82D8-40CA-8992-388D1FCE7079}"/>
+              </a:ext>
+            </a:extLst>
+          </p:cNvPr>
+          <p:cNvSpPr>
+            <a:spLocks noGrp="1"/>
+          </p:cNvSpPr>
+          <p:nvPr>
+            <p:ph idx="1"/>
+          </p:nvPr>
+        </p:nvSpPr>
+        <p:spPr>
+          <a:xfrm>
+            <a:off x="4821898" y="643466"/>
+            <a:ext cx="5827472" cy="5571067"/>
+          </a:xfrm>
+        </p:spPr>
+        <p:txBody>
+          <a:bodyPr>
+            <a:normAutofit fontScale="92500"/>
+          </a:bodyPr>
+          <a:lstStyle/>
+          <a:p>
+            <a:pPr marL="274320" lvl="1" indent="0">
+              <a:buNone/>
+            </a:pPr>
+            <a:r>
+              <a:rPr lang="en-US" sz="2400" b="1" dirty="0"/>
+              <a:t>Player Match History</a:t>
+            </a:r>
+          </a:p>
+          <a:p>
+            <a:pPr lvl="1"/>
+            <a:r>
+              <a:rPr lang="en-US" sz="2400" dirty="0"/>
+              <a:t>Match ID’s and dates</a:t>
+            </a:r>
+          </a:p>
+          <a:p>
+            <a:pPr marL="274320" lvl="1" indent="0">
+              <a:buNone/>
+            </a:pPr>
+            <a:endParaRPr lang="en-US" sz="2400" dirty="0"/>
+          </a:p>
+          <a:p>
+            <a:pPr marL="274320" lvl="1" indent="0">
+              <a:buNone/>
+            </a:pPr>
+            <a:r>
+              <a:rPr lang="en-US" sz="2400" b="1" dirty="0"/>
+              <a:t>Match Result – Arena</a:t>
+            </a:r>
+          </a:p>
+          <a:p>
+            <a:pPr lvl="1"/>
+            <a:r>
+              <a:rPr lang="en-US" sz="2400" dirty="0"/>
+              <a:t>Player scores, gamertags, map, game type, playlist, and win / lose / tie information</a:t>
+            </a:r>
+          </a:p>
+          <a:p>
+            <a:pPr marL="274320" lvl="1" indent="0">
+              <a:buNone/>
+            </a:pPr>
+            <a:endParaRPr lang="en-US" sz="2400" dirty="0"/>
+          </a:p>
+          <a:p>
+            <a:pPr marL="274320" lvl="1" indent="0">
+              <a:buNone/>
+            </a:pPr>
+            <a:r>
+              <a:rPr lang="en-US" sz="2400" b="1" dirty="0"/>
+              <a:t>Player Service Records – Arena</a:t>
+            </a:r>
+          </a:p>
+          <a:p>
+            <a:pPr lvl="1"/>
+            <a:r>
+              <a:rPr lang="en-US" sz="2400" dirty="0"/>
+              <a:t>Historical aggregates of detailed player stats and actions per game type</a:t>
+            </a:r>
+          </a:p>
+          <a:p>
+            <a:pPr lvl="1"/>
+            <a:endParaRPr lang="en-US" sz="2400" dirty="0"/>
+          </a:p>
+          <a:p>
+            <a:pPr marL="274320" lvl="1" indent="0">
+              <a:buNone/>
+            </a:pPr>
+            <a:r>
+              <a:rPr lang="en-US" sz="2400" b="1" dirty="0"/>
+              <a:t>Metadata</a:t>
+            </a:r>
+          </a:p>
+          <a:p>
+            <a:pPr lvl="1"/>
+            <a:r>
+              <a:rPr lang="en-US" sz="2400" dirty="0"/>
+              <a:t>Necessary for decoding map name, game type, and playlist </a:t>
+            </a:r>
+          </a:p>
+          <a:p>
+            <a:pPr marL="0" indent="0">
+              <a:buNone/>
+            </a:pPr>
+            <a:endParaRPr lang="en-US" sz="2400" dirty="0"/>
+          </a:p>
+        </p:txBody>
+      </p:sp>
+    </p:spTree>
+    <p:extLst>
+      <p:ext uri="{BB962C8B-B14F-4D97-AF65-F5344CB8AC3E}">
+        <p14:creationId xmlns:p14="http://schemas.microsoft.com/office/powerpoint/2010/main" val="3894997812"/>
+      </p:ext>
+    </p:extLst>
+  </p:cSld>
+  <p:clrMapOvr>
+    <a:masterClrMapping/>
+  </p:clrMapOvr>
+</p:sld>
+</file>
+
+<file path=ppt/slides/slide5.xml><?xml version="1.0" encoding="utf-8"?>
 <p:sld xmlns:a="http://schemas.openxmlformats.org/drawingml/2006/main" xmlns:r="http://schemas.openxmlformats.org/officeDocument/2006/relationships" xmlns:p="http://schemas.openxmlformats.org/presentationml/2006/main">
   <p:cSld>
     <p:bg>
@@ -6326,7 +6909,7 @@
 </p:sld>
 </file>
 
-<file path=ppt/slides/slide5.xml><?xml version="1.0" encoding="utf-8"?>
+<file path=ppt/slides/slide6.xml><?xml version="1.0" encoding="utf-8"?>
 <p:sld xmlns:a="http://schemas.openxmlformats.org/drawingml/2006/main" xmlns:r="http://schemas.openxmlformats.org/officeDocument/2006/relationships" xmlns:p="http://schemas.openxmlformats.org/presentationml/2006/main">
   <p:cSld>
     <p:spTree>
@@ -6547,7 +7130,7 @@
 </p:sld>
 </file>
 
-<file path=ppt/slides/slide6.xml><?xml version="1.0" encoding="utf-8"?>
+<file path=ppt/slides/slide7.xml><?xml version="1.0" encoding="utf-8"?>
 <p:sld xmlns:a="http://schemas.openxmlformats.org/drawingml/2006/main" xmlns:r="http://schemas.openxmlformats.org/officeDocument/2006/relationships" xmlns:p="http://schemas.openxmlformats.org/presentationml/2006/main">
   <p:cSld>
     <p:spTree>
@@ -6707,7 +7290,7 @@
 </p:sld>
 </file>
 
-<file path=ppt/slides/slide7.xml><?xml version="1.0" encoding="utf-8"?>
+<file path=ppt/slides/slide8.xml><?xml version="1.0" encoding="utf-8"?>
 <p:sld xmlns:a="http://schemas.openxmlformats.org/drawingml/2006/main" xmlns:r="http://schemas.openxmlformats.org/officeDocument/2006/relationships" xmlns:p="http://schemas.openxmlformats.org/presentationml/2006/main">
   <p:cSld>
     <p:spTree>
@@ -6897,7 +7480,7 @@
 </p:sld>
 </file>
 
-<file path=ppt/slides/slide8.xml><?xml version="1.0" encoding="utf-8"?>
+<file path=ppt/slides/slide9.xml><?xml version="1.0" encoding="utf-8"?>
 <p:sld xmlns:a="http://schemas.openxmlformats.org/drawingml/2006/main" xmlns:r="http://schemas.openxmlformats.org/officeDocument/2006/relationships" xmlns:p="http://schemas.openxmlformats.org/presentationml/2006/main">
   <p:cSld>
     <p:spTree>
@@ -7162,306 +7745,6 @@
     <p:extLst>
       <p:ext uri="{BB962C8B-B14F-4D97-AF65-F5344CB8AC3E}">
         <p14:creationId xmlns:p14="http://schemas.microsoft.com/office/powerpoint/2010/main" val="734566634"/>
-      </p:ext>
-    </p:extLst>
-  </p:cSld>
-  <p:clrMapOvr>
-    <a:masterClrMapping/>
-  </p:clrMapOvr>
-</p:sld>
-</file>
-
-<file path=ppt/slides/slide9.xml><?xml version="1.0" encoding="utf-8"?>
-<p:sld xmlns:a="http://schemas.openxmlformats.org/drawingml/2006/main" xmlns:r="http://schemas.openxmlformats.org/officeDocument/2006/relationships" xmlns:p="http://schemas.openxmlformats.org/presentationml/2006/main">
-  <p:cSld>
-    <p:bg>
-      <p:bgPr>
-        <a:solidFill>
-          <a:schemeClr val="bg2">
-            <a:lumMod val="75000"/>
-          </a:schemeClr>
-        </a:solidFill>
-        <a:effectLst/>
-      </p:bgPr>
-    </p:bg>
-    <p:spTree>
-      <p:nvGrpSpPr>
-        <p:cNvPr id="1" name=""/>
-        <p:cNvGrpSpPr/>
-        <p:nvPr/>
-      </p:nvGrpSpPr>
-      <p:grpSpPr>
-        <a:xfrm>
-          <a:off x="0" y="0"/>
-          <a:ext cx="0" cy="0"/>
-          <a:chOff x="0" y="0"/>
-          <a:chExt cx="0" cy="0"/>
-        </a:xfrm>
-      </p:grpSpPr>
-      <p:sp>
-        <p:nvSpPr>
-          <p:cNvPr id="8" name="Rectangle 7">
-            <a:extLst>
-              <a:ext uri="{FF2B5EF4-FFF2-40B4-BE49-F238E27FC236}">
-                <a16:creationId xmlns:a16="http://schemas.microsoft.com/office/drawing/2014/main" id="{A6F05DDE-5F2C-44F5-BACC-DED4737B11B8}"/>
-              </a:ext>
-              <a:ext uri="{C183D7F6-B498-43B3-948B-1728B52AA6E4}">
-                <adec:decorative xmlns:adec="http://schemas.microsoft.com/office/drawing/2017/decorative" val="1"/>
-              </a:ext>
-            </a:extLst>
-          </p:cNvPr>
-          <p:cNvSpPr>
-            <a:spLocks noGrp="1" noRot="1" noChangeAspect="1" noMove="1" noResize="1" noEditPoints="1" noAdjustHandles="1" noChangeArrowheads="1" noChangeShapeType="1" noTextEdit="1"/>
-          </p:cNvSpPr>
-          <p:nvPr>
-            <p:extLst>
-              <p:ext uri="{386F3935-93C4-4BCD-93E2-E3B085C9AB24}">
-                <p16:designElem xmlns:p16="http://schemas.microsoft.com/office/powerpoint/2015/main" val="1"/>
-              </p:ext>
-            </p:extLst>
-          </p:nvPr>
-        </p:nvSpPr>
-        <p:spPr>
-          <a:xfrm>
-            <a:off x="0" y="0"/>
-            <a:ext cx="457200" cy="6858000"/>
-          </a:xfrm>
-          <a:prstGeom prst="rect">
-            <a:avLst/>
-          </a:prstGeom>
-          <a:solidFill>
-            <a:schemeClr val="accent1"/>
-          </a:solidFill>
-          <a:ln>
-            <a:noFill/>
-          </a:ln>
-        </p:spPr>
-        <p:style>
-          <a:lnRef idx="2">
-            <a:schemeClr val="accent1">
-              <a:shade val="50000"/>
-            </a:schemeClr>
-          </a:lnRef>
-          <a:fillRef idx="1">
-            <a:schemeClr val="accent1"/>
-          </a:fillRef>
-          <a:effectRef idx="0">
-            <a:schemeClr val="accent1"/>
-          </a:effectRef>
-          <a:fontRef idx="minor">
-            <a:schemeClr val="lt1"/>
-          </a:fontRef>
-        </p:style>
-      </p:sp>
-      <p:sp>
-        <p:nvSpPr>
-          <p:cNvPr id="10" name="Rectangle 9">
-            <a:extLst>
-              <a:ext uri="{FF2B5EF4-FFF2-40B4-BE49-F238E27FC236}">
-                <a16:creationId xmlns:a16="http://schemas.microsoft.com/office/drawing/2014/main" id="{CA3FC43A-F2E5-409E-8C82-7DC3B69EA268}"/>
-              </a:ext>
-              <a:ext uri="{C183D7F6-B498-43B3-948B-1728B52AA6E4}">
-                <adec:decorative xmlns:adec="http://schemas.microsoft.com/office/drawing/2017/decorative" val="1"/>
-              </a:ext>
-            </a:extLst>
-          </p:cNvPr>
-          <p:cNvSpPr>
-            <a:spLocks noGrp="1" noRot="1" noChangeAspect="1" noMove="1" noResize="1" noEditPoints="1" noAdjustHandles="1" noChangeArrowheads="1" noChangeShapeType="1" noTextEdit="1"/>
-          </p:cNvSpPr>
-          <p:nvPr>
-            <p:extLst>
-              <p:ext uri="{386F3935-93C4-4BCD-93E2-E3B085C9AB24}">
-                <p16:designElem xmlns:p16="http://schemas.microsoft.com/office/powerpoint/2015/main" val="1"/>
-              </p:ext>
-            </p:extLst>
-          </p:nvPr>
-        </p:nvSpPr>
-        <p:spPr>
-          <a:xfrm>
-            <a:off x="-3" y="-2811"/>
-            <a:ext cx="4059081" cy="6858000"/>
-          </a:xfrm>
-          <a:prstGeom prst="rect">
-            <a:avLst/>
-          </a:prstGeom>
-          <a:solidFill>
-            <a:srgbClr val="000000"/>
-          </a:solidFill>
-          <a:ln>
-            <a:noFill/>
-          </a:ln>
-        </p:spPr>
-        <p:style>
-          <a:lnRef idx="2">
-            <a:schemeClr val="accent1">
-              <a:shade val="50000"/>
-            </a:schemeClr>
-          </a:lnRef>
-          <a:fillRef idx="1">
-            <a:schemeClr val="accent1"/>
-          </a:fillRef>
-          <a:effectRef idx="0">
-            <a:schemeClr val="accent1"/>
-          </a:effectRef>
-          <a:fontRef idx="minor">
-            <a:schemeClr val="lt1"/>
-          </a:fontRef>
-        </p:style>
-        <p:txBody>
-          <a:bodyPr rtlCol="0" anchor="ctr"/>
-          <a:lstStyle/>
-          <a:p>
-            <a:pPr algn="ctr"/>
-            <a:endParaRPr lang="en-US"/>
-          </a:p>
-        </p:txBody>
-      </p:sp>
-      <p:sp>
-        <p:nvSpPr>
-          <p:cNvPr id="12" name="Rectangle 11">
-            <a:extLst>
-              <a:ext uri="{FF2B5EF4-FFF2-40B4-BE49-F238E27FC236}">
-                <a16:creationId xmlns:a16="http://schemas.microsoft.com/office/drawing/2014/main" id="{1EEBFF7B-A218-4767-9A82-7ADFE8C9390D}"/>
-              </a:ext>
-              <a:ext uri="{C183D7F6-B498-43B3-948B-1728B52AA6E4}">
-                <adec:decorative xmlns:adec="http://schemas.microsoft.com/office/drawing/2017/decorative" val="1"/>
-              </a:ext>
-            </a:extLst>
-          </p:cNvPr>
-          <p:cNvSpPr>
-            <a:spLocks noGrp="1" noRot="1" noChangeAspect="1" noMove="1" noResize="1" noEditPoints="1" noAdjustHandles="1" noChangeArrowheads="1" noChangeShapeType="1" noTextEdit="1"/>
-          </p:cNvSpPr>
-          <p:nvPr>
-            <p:extLst>
-              <p:ext uri="{386F3935-93C4-4BCD-93E2-E3B085C9AB24}">
-                <p16:designElem xmlns:p16="http://schemas.microsoft.com/office/powerpoint/2015/main" val="1"/>
-              </p:ext>
-            </p:extLst>
-          </p:nvPr>
-        </p:nvSpPr>
-        <p:spPr>
-          <a:xfrm>
-            <a:off x="4059934" y="0"/>
-            <a:ext cx="7232906" cy="6858000"/>
-          </a:xfrm>
-          <a:prstGeom prst="rect">
-            <a:avLst/>
-          </a:prstGeom>
-          <a:solidFill>
-            <a:schemeClr val="accent1">
-              <a:lumMod val="75000"/>
-            </a:schemeClr>
-          </a:solidFill>
-          <a:ln>
-            <a:noFill/>
-          </a:ln>
-        </p:spPr>
-        <p:style>
-          <a:lnRef idx="2">
-            <a:schemeClr val="accent1">
-              <a:shade val="50000"/>
-            </a:schemeClr>
-          </a:lnRef>
-          <a:fillRef idx="1">
-            <a:schemeClr val="accent1"/>
-          </a:fillRef>
-          <a:effectRef idx="0">
-            <a:schemeClr val="accent1"/>
-          </a:effectRef>
-          <a:fontRef idx="minor">
-            <a:schemeClr val="lt1"/>
-          </a:fontRef>
-        </p:style>
-        <p:txBody>
-          <a:bodyPr rtlCol="0" anchor="ctr"/>
-          <a:lstStyle/>
-          <a:p>
-            <a:pPr algn="ctr"/>
-            <a:endParaRPr lang="en-US"/>
-          </a:p>
-        </p:txBody>
-      </p:sp>
-      <p:sp>
-        <p:nvSpPr>
-          <p:cNvPr id="2" name="Title 1">
-            <a:extLst>
-              <a:ext uri="{FF2B5EF4-FFF2-40B4-BE49-F238E27FC236}">
-                <a16:creationId xmlns:a16="http://schemas.microsoft.com/office/drawing/2014/main" id="{CA09F876-493D-4589-B1B6-E486A85E5A94}"/>
-              </a:ext>
-            </a:extLst>
-          </p:cNvPr>
-          <p:cNvSpPr>
-            <a:spLocks noGrp="1"/>
-          </p:cNvSpPr>
-          <p:nvPr>
-            <p:ph type="title"/>
-          </p:nvPr>
-        </p:nvSpPr>
-        <p:spPr>
-          <a:xfrm>
-            <a:off x="1016004" y="539553"/>
-            <a:ext cx="6196916" cy="5768658"/>
-          </a:xfrm>
-        </p:spPr>
-        <p:txBody>
-          <a:bodyPr vert="horz" lIns="91440" tIns="45720" rIns="91440" bIns="45720" rtlCol="0" anchor="ctr">
-            <a:normAutofit/>
-          </a:bodyPr>
-          <a:lstStyle/>
-          <a:p>
-            <a:r>
-              <a:rPr lang="en-US" sz="6000">
-                <a:solidFill>
-                  <a:srgbClr val="FFFFFF"/>
-                </a:solidFill>
-              </a:rPr>
-              <a:t>Matchmaking Quality Evaluation Using Machine Learning</a:t>
-            </a:r>
-          </a:p>
-        </p:txBody>
-      </p:sp>
-      <p:sp>
-        <p:nvSpPr>
-          <p:cNvPr id="3" name="Text Placeholder 2">
-            <a:extLst>
-              <a:ext uri="{FF2B5EF4-FFF2-40B4-BE49-F238E27FC236}">
-                <a16:creationId xmlns:a16="http://schemas.microsoft.com/office/drawing/2014/main" id="{354BE73E-D29C-4221-82DE-A022353BC2D7}"/>
-              </a:ext>
-            </a:extLst>
-          </p:cNvPr>
-          <p:cNvSpPr>
-            <a:spLocks noGrp="1"/>
-          </p:cNvSpPr>
-          <p:nvPr>
-            <p:ph type="body" idx="1"/>
-          </p:nvPr>
-        </p:nvSpPr>
-        <p:spPr>
-          <a:xfrm>
-            <a:off x="7534655" y="228601"/>
-            <a:ext cx="3436450" cy="6431540"/>
-          </a:xfrm>
-          <a:noFill/>
-        </p:spPr>
-        <p:txBody>
-          <a:bodyPr vert="horz" lIns="91440" tIns="45720" rIns="91440" bIns="45720" rtlCol="0" anchor="ctr">
-            <a:normAutofit/>
-          </a:bodyPr>
-          <a:lstStyle/>
-          <a:p>
-            <a:pPr algn="r"/>
-            <a:endParaRPr lang="en-US" sz="2800">
-              <a:solidFill>
-                <a:srgbClr val="FFFFFF"/>
-              </a:solidFill>
-            </a:endParaRPr>
-          </a:p>
-        </p:txBody>
-      </p:sp>
-    </p:spTree>
-    <p:extLst>
-      <p:ext uri="{BB962C8B-B14F-4D97-AF65-F5344CB8AC3E}">
-        <p14:creationId xmlns:p14="http://schemas.microsoft.com/office/powerpoint/2010/main" val="3511161795"/>
       </p:ext>
     </p:extLst>
   </p:cSld>
